--- a/proyecto/informe/entrega3/Diapositivas Datos 2 Entrega 3.pptx
+++ b/proyecto/informe/entrega3/Diapositivas Datos 2 Entrega 3.pptx
@@ -32382,7 +32382,7 @@
         </p:blipFill>
         <p:spPr>
           <a:xfrm>
-            <a:off x="-2580" y="0"/>
+            <a:off x="-2582" y="0"/>
             <a:ext cx="12197163" cy="6856922"/>
           </a:xfrm>
           <a:prstGeom prst="rect">
@@ -35144,46 +35144,6 @@
           </p:txBody>
         </p:sp>
       </p:grpSp>
-      <p:sp>
-        <p:nvSpPr>
-          <p:cNvPr id="616" name="Google Shape;616;g1066244c191_0_133"/>
-          <p:cNvSpPr/>
-          <p:nvPr/>
-        </p:nvSpPr>
-        <p:spPr>
-          <a:xfrm rot="10800000" flipH="1">
-            <a:off x="5050475" y="1024007"/>
-            <a:ext cx="811836" cy="294462"/>
-          </a:xfrm>
-          <a:custGeom>
-            <a:avLst/>
-            <a:gdLst/>
-            <a:ahLst/>
-            <a:cxnLst/>
-            <a:rect l="l" t="t" r="r" b="b"/>
-            <a:pathLst>
-              <a:path w="21600" h="21600" extrusionOk="0">
-                <a:moveTo>
-                  <a:pt x="0" y="0"/>
-                </a:moveTo>
-                <a:lnTo>
-                  <a:pt x="21600" y="21600"/>
-                </a:lnTo>
-              </a:path>
-            </a:pathLst>
-          </a:custGeom>
-          <a:noFill/>
-          <a:ln w="76300" cap="flat" cmpd="sng">
-            <a:solidFill>
-              <a:schemeClr val="accent2"/>
-            </a:solidFill>
-            <a:prstDash val="solid"/>
-            <a:round/>
-            <a:headEnd type="none" w="sm" len="sm"/>
-            <a:tailEnd type="triangle" w="med" len="med"/>
-          </a:ln>
-        </p:spPr>
-      </p:sp>
     </p:spTree>
   </p:cSld>
   <p:clrMapOvr>
@@ -45486,7 +45446,7 @@
           <p:nvPr>
             <p:extLst>
               <p:ext uri="{D42A27DB-BD31-4B8C-83A1-F6EECF244321}">
-                <p14:modId xmlns:p14="http://schemas.microsoft.com/office/powerpoint/2010/main" val="3482020314"/>
+                <p14:modId xmlns:p14="http://schemas.microsoft.com/office/powerpoint/2010/main" val="1209088559"/>
               </p:ext>
             </p:extLst>
           </p:nvPr>
@@ -45797,20 +45757,36 @@
                         <a:buNone/>
                       </a:pPr>
                       <a:r>
-                        <a:rPr lang="en-US" sz="2200" b="1" u="none" strike="noStrike" cap="none">
+                        <a:rPr lang="en-US" sz="2200" b="1" u="none" strike="noStrike" cap="none" dirty="0">
                           <a:solidFill>
                             <a:srgbClr val="001E33"/>
                           </a:solidFill>
                         </a:rPr>
-                        <a:t>Sin superar un riesgo </a:t>
+                        <a:t>Sin </a:t>
                       </a:r>
                       <a:r>
-                        <a:rPr lang="en-US" sz="2200" b="1">
+                        <a:rPr lang="en-US" sz="2200" b="1" u="none" strike="noStrike" cap="none" dirty="0" err="1">
                           <a:solidFill>
                             <a:srgbClr val="001E33"/>
                           </a:solidFill>
                         </a:rPr>
-                        <a:t>promedio</a:t>
+                        <a:t>superar</a:t>
+                      </a:r>
+                      <a:r>
+                        <a:rPr lang="en-US" sz="2200" b="1" u="none" strike="noStrike" cap="none" dirty="0">
+                          <a:solidFill>
+                            <a:srgbClr val="001E33"/>
+                          </a:solidFill>
+                        </a:rPr>
+                        <a:t> un </a:t>
+                      </a:r>
+                      <a:r>
+                        <a:rPr lang="en-US" sz="2200" b="1" u="none" strike="noStrike" cap="none" dirty="0" err="1">
+                          <a:solidFill>
+                            <a:srgbClr val="001E33"/>
+                          </a:solidFill>
+                        </a:rPr>
+                        <a:t>riesgo</a:t>
                       </a:r>
                       <a:r>
                         <a:rPr lang="en-US" sz="2200" b="1" u="none" strike="noStrike" cap="none">
@@ -45818,9 +45794,33 @@
                             <a:srgbClr val="001E33"/>
                           </a:solidFill>
                         </a:rPr>
-                        <a:t> ponderado de acoso</a:t>
+                        <a:t>  </a:t>
                       </a:r>
-                      <a:endParaRPr sz="2200" b="1" u="none" strike="noStrike" cap="none">
+                      <a:r>
+                        <a:rPr lang="en-US" sz="2200" b="1" u="none" strike="noStrike" cap="none" dirty="0" err="1">
+                          <a:solidFill>
+                            <a:srgbClr val="001E33"/>
+                          </a:solidFill>
+                        </a:rPr>
+                        <a:t>ponderado</a:t>
+                      </a:r>
+                      <a:r>
+                        <a:rPr lang="en-US" sz="2200" b="1" u="none" strike="noStrike" cap="none" dirty="0">
+                          <a:solidFill>
+                            <a:srgbClr val="001E33"/>
+                          </a:solidFill>
+                        </a:rPr>
+                        <a:t> de </a:t>
+                      </a:r>
+                      <a:r>
+                        <a:rPr lang="en-US" sz="2200" b="1" u="none" strike="noStrike" cap="none" dirty="0" err="1">
+                          <a:solidFill>
+                            <a:srgbClr val="001E33"/>
+                          </a:solidFill>
+                        </a:rPr>
+                        <a:t>acoso</a:t>
+                      </a:r>
+                      <a:endParaRPr sz="2200" b="1" u="none" strike="noStrike" cap="none" dirty="0">
                         <a:solidFill>
                           <a:srgbClr val="001E33"/>
                         </a:solidFill>
@@ -47113,14 +47113,14 @@
           <p:nvPr>
             <p:extLst>
               <p:ext uri="{D42A27DB-BD31-4B8C-83A1-F6EECF244321}">
-                <p14:modId xmlns:p14="http://schemas.microsoft.com/office/powerpoint/2010/main" val="73951644"/>
+                <p14:modId xmlns:p14="http://schemas.microsoft.com/office/powerpoint/2010/main" val="2817671787"/>
               </p:ext>
             </p:extLst>
           </p:nvPr>
         </p:nvGraphicFramePr>
         <p:xfrm>
           <a:off x="333820" y="1803840"/>
-          <a:ext cx="11310600" cy="3383320"/>
+          <a:ext cx="11310600" cy="3048040"/>
         </p:xfrm>
         <a:graphic>
           <a:graphicData uri="http://schemas.openxmlformats.org/drawingml/2006/table">
@@ -47341,30 +47341,46 @@
                         <a:buNone/>
                       </a:pPr>
                       <a:r>
-                        <a:rPr lang="en-US" sz="2200" b="1" u="none" strike="noStrike" cap="none">
+                        <a:rPr lang="en-US" sz="2200" b="1" u="none" strike="noStrike" cap="none" dirty="0" err="1">
                           <a:solidFill>
                             <a:srgbClr val="001E33"/>
                           </a:solidFill>
                         </a:rPr>
-                        <a:t>Riesgo </a:t>
+                        <a:t>Riesgo</a:t>
                       </a:r>
                       <a:r>
-                        <a:rPr lang="en-US" sz="2200" b="1">
+                        <a:rPr lang="en-US" sz="2200" b="1" u="none" strike="noStrike" cap="none" dirty="0">
                           <a:solidFill>
                             <a:srgbClr val="001E33"/>
                           </a:solidFill>
                         </a:rPr>
-                        <a:t>promedio</a:t>
+                        <a:t> </a:t>
                       </a:r>
                       <a:r>
-                        <a:rPr lang="en-US" sz="2200" b="1" u="none" strike="noStrike" cap="none">
+                        <a:rPr lang="en-US" sz="2200" b="1" u="none" strike="noStrike" cap="none" dirty="0" err="1">
                           <a:solidFill>
                             <a:srgbClr val="001E33"/>
                           </a:solidFill>
                         </a:rPr>
-                        <a:t> ponderado de acoso</a:t>
+                        <a:t>ponderado</a:t>
                       </a:r>
-                      <a:endParaRPr sz="2200" b="0" u="none" strike="noStrike" cap="none">
+                      <a:r>
+                        <a:rPr lang="en-US" sz="2200" b="1" u="none" strike="noStrike" cap="none" dirty="0">
+                          <a:solidFill>
+                            <a:srgbClr val="001E33"/>
+                          </a:solidFill>
+                        </a:rPr>
+                        <a:t> de </a:t>
+                      </a:r>
+                      <a:r>
+                        <a:rPr lang="en-US" sz="2200" b="1" u="none" strike="noStrike" cap="none" dirty="0" err="1">
+                          <a:solidFill>
+                            <a:srgbClr val="001E33"/>
+                          </a:solidFill>
+                        </a:rPr>
+                        <a:t>acoso</a:t>
+                      </a:r>
+                      <a:endParaRPr sz="2200" b="0" u="none" strike="noStrike" cap="none" dirty="0">
                         <a:solidFill>
                           <a:srgbClr val="001E33"/>
                         </a:solidFill>
